--- a/introduction.pptx
+++ b/introduction.pptx
@@ -3177,6 +3177,20 @@
             </a:pPr>
             <a:r>
               <a:rPr/>
+              <a:t>Test1</a:t>
+            </a:r>
+          </a:p>
+          <a:p>
+            <a:pPr lvl="0" marL="0" indent="0">
+              <a:buNone/>
+            </a:pPr>
+          </a:p>
+          <a:p>
+            <a:pPr lvl="0" marL="0" indent="0">
+              <a:buNone/>
+            </a:pPr>
+            <a:r>
+              <a:rPr/>
               <a:t>This</a:t>
             </a:r>
             <a:r>
@@ -3266,6 +3280,36 @@
             <a:r>
               <a:rPr/>
               <a:t>the</a:t>
+            </a:r>
+          </a:p>
+          <a:p>
+            <a:pPr lvl="0" marL="0" indent="0">
+              <a:buNone/>
+            </a:pPr>
+          </a:p>
+          <a:p>
+            <a:pPr lvl="0" marL="0" indent="0">
+              <a:buNone/>
+            </a:pPr>
+            <a:r>
+              <a:rPr/>
+              <a:t>Test2</a:t>
+            </a:r>
+          </a:p>
+          <a:p>
+            <a:pPr lvl="0" marL="0" indent="0">
+              <a:buNone/>
+            </a:pPr>
+          </a:p>
+          <a:p>
+            <a:pPr lvl="0" marL="1270000" indent="0">
+              <a:buNone/>
+            </a:pPr>
+            <a:r>
+              <a:rPr sz="1800">
+                <a:latin typeface="Courier"/>
+              </a:rPr>
+              <a:t>This screenshot is of a web page that is licensed under the </a:t>
             </a:r>
           </a:p>
         </p:txBody>
@@ -4571,6 +4615,546 @@
             </a:pPr>
             <a:r>
               <a:rPr/>
+              <a:t>A</a:t>
+            </a:r>
+            <a:r>
+              <a:rPr/>
+              <a:t> </a:t>
+            </a:r>
+            <a:r>
+              <a:rPr/>
+              <a:t>cluster</a:t>
+            </a:r>
+            <a:r>
+              <a:rPr/>
+              <a:t> </a:t>
+            </a:r>
+            <a:r>
+              <a:rPr/>
+              <a:t>computer</a:t>
+            </a:r>
+            <a:r>
+              <a:rPr/>
+              <a:t> </a:t>
+            </a:r>
+            <a:r>
+              <a:rPr/>
+              <a:t>that</a:t>
+            </a:r>
+            <a:r>
+              <a:rPr/>
+              <a:t> </a:t>
+            </a:r>
+            <a:r>
+              <a:rPr/>
+              <a:t>receives</a:t>
+            </a:r>
+            <a:r>
+              <a:rPr/>
+              <a:t> </a:t>
+            </a:r>
+            <a:r>
+              <a:rPr/>
+              <a:t>and</a:t>
+            </a:r>
+            <a:r>
+              <a:rPr/>
+              <a:t> </a:t>
+            </a:r>
+            <a:r>
+              <a:rPr/>
+              <a:t>processes</a:t>
+            </a:r>
+            <a:r>
+              <a:rPr/>
+              <a:t> </a:t>
+            </a:r>
+            <a:r>
+              <a:rPr/>
+              <a:t>multiple</a:t>
+            </a:r>
+            <a:r>
+              <a:rPr/>
+              <a:t> </a:t>
+            </a:r>
+            <a:r>
+              <a:rPr/>
+              <a:t>requests</a:t>
+            </a:r>
+            <a:r>
+              <a:rPr/>
+              <a:t> </a:t>
+            </a:r>
+            <a:r>
+              <a:rPr/>
+              <a:t>for</a:t>
+            </a:r>
+            <a:r>
+              <a:rPr/>
+              <a:t> </a:t>
+            </a:r>
+            <a:r>
+              <a:rPr/>
+              <a:t>data</a:t>
+            </a:r>
+            <a:r>
+              <a:rPr/>
+              <a:t> </a:t>
+            </a:r>
+            <a:r>
+              <a:rPr/>
+              <a:t>can</a:t>
+            </a:r>
+            <a:r>
+              <a:rPr/>
+              <a:t> </a:t>
+            </a:r>
+            <a:r>
+              <a:rPr/>
+              <a:t>send</a:t>
+            </a:r>
+            <a:r>
+              <a:rPr/>
+              <a:t> </a:t>
+            </a:r>
+            <a:r>
+              <a:rPr/>
+              <a:t>the</a:t>
+            </a:r>
+            <a:r>
+              <a:rPr/>
+              <a:t> </a:t>
+            </a:r>
+            <a:r>
+              <a:rPr/>
+              <a:t>tasks</a:t>
+            </a:r>
+            <a:r>
+              <a:rPr/>
+              <a:t> </a:t>
+            </a:r>
+            <a:r>
+              <a:rPr/>
+              <a:t>to</a:t>
+            </a:r>
+            <a:r>
+              <a:rPr/>
+              <a:t> </a:t>
+            </a:r>
+            <a:r>
+              <a:rPr/>
+              <a:t>the</a:t>
+            </a:r>
+            <a:r>
+              <a:rPr/>
+              <a:t> </a:t>
+            </a:r>
+            <a:r>
+              <a:rPr/>
+              <a:t>components</a:t>
+            </a:r>
+            <a:r>
+              <a:rPr/>
+              <a:t> </a:t>
+            </a:r>
+            <a:r>
+              <a:rPr/>
+              <a:t>that</a:t>
+            </a:r>
+            <a:r>
+              <a:rPr/>
+              <a:t> </a:t>
+            </a:r>
+            <a:r>
+              <a:rPr/>
+              <a:t>are</a:t>
+            </a:r>
+            <a:r>
+              <a:rPr/>
+              <a:t> </a:t>
+            </a:r>
+            <a:r>
+              <a:rPr/>
+              <a:t>least</a:t>
+            </a:r>
+            <a:r>
+              <a:rPr/>
+              <a:t> </a:t>
+            </a:r>
+            <a:r>
+              <a:rPr/>
+              <a:t>busy.</a:t>
+            </a:r>
+            <a:r>
+              <a:rPr/>
+              <a:t> </a:t>
+            </a:r>
+            <a:r>
+              <a:rPr/>
+              <a:t>This</a:t>
+            </a:r>
+            <a:r>
+              <a:rPr/>
+              <a:t> </a:t>
+            </a:r>
+            <a:r>
+              <a:rPr/>
+              <a:t>is</a:t>
+            </a:r>
+            <a:r>
+              <a:rPr/>
+              <a:t> </a:t>
+            </a:r>
+            <a:r>
+              <a:rPr/>
+              <a:t>like</a:t>
+            </a:r>
+            <a:r>
+              <a:rPr/>
+              <a:t> </a:t>
+            </a:r>
+            <a:r>
+              <a:rPr/>
+              <a:t>multiple</a:t>
+            </a:r>
+            <a:r>
+              <a:rPr/>
+              <a:t> </a:t>
+            </a:r>
+            <a:r>
+              <a:rPr/>
+              <a:t>lanes</a:t>
+            </a:r>
+            <a:r>
+              <a:rPr/>
+              <a:t> </a:t>
+            </a:r>
+            <a:r>
+              <a:rPr/>
+              <a:t>on</a:t>
+            </a:r>
+            <a:r>
+              <a:rPr/>
+              <a:t> </a:t>
+            </a:r>
+            <a:r>
+              <a:rPr/>
+              <a:t>a</a:t>
+            </a:r>
+            <a:r>
+              <a:rPr/>
+              <a:t> </a:t>
+            </a:r>
+            <a:r>
+              <a:rPr/>
+              <a:t>road</a:t>
+            </a:r>
+            <a:r>
+              <a:rPr/>
+              <a:t> </a:t>
+            </a:r>
+            <a:r>
+              <a:rPr/>
+              <a:t>where</a:t>
+            </a:r>
+            <a:r>
+              <a:rPr/>
+              <a:t> </a:t>
+            </a:r>
+            <a:r>
+              <a:rPr/>
+              <a:t>you</a:t>
+            </a:r>
+            <a:r>
+              <a:rPr/>
+              <a:t> </a:t>
+            </a:r>
+            <a:r>
+              <a:rPr/>
+              <a:t>find</a:t>
+            </a:r>
+            <a:r>
+              <a:rPr/>
+              <a:t> </a:t>
+            </a:r>
+            <a:r>
+              <a:rPr/>
+              <a:t>the</a:t>
+            </a:r>
+            <a:r>
+              <a:rPr/>
+              <a:t> </a:t>
+            </a:r>
+            <a:r>
+              <a:rPr/>
+              <a:t>lane</a:t>
+            </a:r>
+            <a:r>
+              <a:rPr/>
+              <a:t> </a:t>
+            </a:r>
+            <a:r>
+              <a:rPr/>
+              <a:t>that</a:t>
+            </a:r>
+            <a:r>
+              <a:rPr/>
+              <a:t> </a:t>
+            </a:r>
+            <a:r>
+              <a:rPr/>
+              <a:t>is</a:t>
+            </a:r>
+            <a:r>
+              <a:rPr/>
+              <a:t> </a:t>
+            </a:r>
+            <a:r>
+              <a:rPr/>
+              <a:t>most</a:t>
+            </a:r>
+            <a:r>
+              <a:rPr/>
+              <a:t> </a:t>
+            </a:r>
+            <a:r>
+              <a:rPr/>
+              <a:t>open.</a:t>
+            </a:r>
+          </a:p>
+          <a:p>
+            <a:pPr lvl="0" marL="0" indent="0">
+              <a:buNone/>
+            </a:pPr>
+          </a:p>
+          <a:p>
+            <a:pPr lvl="0" marL="0" indent="0">
+              <a:buNone/>
+            </a:pPr>
+            <a:r>
+              <a:rPr/>
+              <a:t>Load</a:t>
+            </a:r>
+            <a:r>
+              <a:rPr/>
+              <a:t> </a:t>
+            </a:r>
+            <a:r>
+              <a:rPr/>
+              <a:t>balancing</a:t>
+            </a:r>
+            <a:r>
+              <a:rPr/>
+              <a:t> </a:t>
+            </a:r>
+            <a:r>
+              <a:rPr/>
+              <a:t>is</a:t>
+            </a:r>
+            <a:r>
+              <a:rPr/>
+              <a:t> </a:t>
+            </a:r>
+            <a:r>
+              <a:rPr/>
+              <a:t>very</a:t>
+            </a:r>
+            <a:r>
+              <a:rPr/>
+              <a:t> </a:t>
+            </a:r>
+            <a:r>
+              <a:rPr/>
+              <a:t>important</a:t>
+            </a:r>
+            <a:r>
+              <a:rPr/>
+              <a:t> </a:t>
+            </a:r>
+            <a:r>
+              <a:rPr/>
+              <a:t>for</a:t>
+            </a:r>
+            <a:r>
+              <a:rPr/>
+              <a:t> </a:t>
+            </a:r>
+            <a:r>
+              <a:rPr/>
+              <a:t>websites</a:t>
+            </a:r>
+            <a:r>
+              <a:rPr/>
+              <a:t> </a:t>
+            </a:r>
+            <a:r>
+              <a:rPr/>
+              <a:t>that</a:t>
+            </a:r>
+            <a:r>
+              <a:rPr/>
+              <a:t> </a:t>
+            </a:r>
+            <a:r>
+              <a:rPr/>
+              <a:t>get</a:t>
+            </a:r>
+            <a:r>
+              <a:rPr/>
+              <a:t> </a:t>
+            </a:r>
+            <a:r>
+              <a:rPr/>
+              <a:t>a</a:t>
+            </a:r>
+            <a:r>
+              <a:rPr/>
+              <a:t> </a:t>
+            </a:r>
+            <a:r>
+              <a:rPr/>
+              <a:t>lot</a:t>
+            </a:r>
+            <a:r>
+              <a:rPr/>
+              <a:t> </a:t>
+            </a:r>
+            <a:r>
+              <a:rPr/>
+              <a:t>of</a:t>
+            </a:r>
+            <a:r>
+              <a:rPr/>
+              <a:t> </a:t>
+            </a:r>
+            <a:r>
+              <a:rPr/>
+              <a:t>traffic.</a:t>
+            </a:r>
+            <a:r>
+              <a:rPr/>
+              <a:t> </a:t>
+            </a:r>
+            <a:r>
+              <a:rPr/>
+              <a:t>A</a:t>
+            </a:r>
+            <a:r>
+              <a:rPr/>
+              <a:t> </a:t>
+            </a:r>
+            <a:r>
+              <a:rPr/>
+              <a:t>computer</a:t>
+            </a:r>
+            <a:r>
+              <a:rPr/>
+              <a:t> </a:t>
+            </a:r>
+            <a:r>
+              <a:rPr/>
+              <a:t>cluster</a:t>
+            </a:r>
+            <a:r>
+              <a:rPr/>
+              <a:t> </a:t>
+            </a:r>
+            <a:r>
+              <a:rPr/>
+              <a:t>devoted</a:t>
+            </a:r>
+            <a:r>
+              <a:rPr/>
+              <a:t> </a:t>
+            </a:r>
+            <a:r>
+              <a:rPr/>
+              <a:t>to</a:t>
+            </a:r>
+            <a:r>
+              <a:rPr/>
+              <a:t> </a:t>
+            </a:r>
+            <a:r>
+              <a:rPr/>
+              <a:t>serving</a:t>
+            </a:r>
+            <a:r>
+              <a:rPr/>
+              <a:t> </a:t>
+            </a:r>
+            <a:r>
+              <a:rPr/>
+              <a:t>web</a:t>
+            </a:r>
+            <a:r>
+              <a:rPr/>
+              <a:t> </a:t>
+            </a:r>
+            <a:r>
+              <a:rPr/>
+              <a:t>pages</a:t>
+            </a:r>
+            <a:r>
+              <a:rPr/>
+              <a:t> </a:t>
+            </a:r>
+            <a:r>
+              <a:rPr/>
+              <a:t>is</a:t>
+            </a:r>
+            <a:r>
+              <a:rPr/>
+              <a:t> </a:t>
+            </a:r>
+            <a:r>
+              <a:rPr/>
+              <a:t>known</a:t>
+            </a:r>
+            <a:r>
+              <a:rPr/>
+              <a:t> </a:t>
+            </a:r>
+            <a:r>
+              <a:rPr/>
+              <a:t>as</a:t>
+            </a:r>
+            <a:r>
+              <a:rPr/>
+              <a:t> </a:t>
+            </a:r>
+            <a:r>
+              <a:rPr/>
+              <a:t>a</a:t>
+            </a:r>
+            <a:r>
+              <a:rPr/>
+              <a:t> </a:t>
+            </a:r>
+            <a:r>
+              <a:rPr/>
+              <a:t>web</a:t>
+            </a:r>
+            <a:r>
+              <a:rPr/>
+              <a:t> </a:t>
+            </a:r>
+            <a:r>
+              <a:rPr/>
+              <a:t>farm.</a:t>
+            </a:r>
+          </a:p>
+          <a:p>
+            <a:pPr lvl="0" marL="0" indent="0">
+              <a:buNone/>
+            </a:pPr>
+          </a:p>
+          <a:p>
+            <a:pPr lvl="0" marL="0" indent="0">
+              <a:buNone/>
+            </a:pPr>
+            <a:r>
+              <a:rPr/>
               <a:t>This</a:t>
             </a:r>
             <a:r>
@@ -4705,7 +5289,7 @@
           <a:p>
             <a:fld id="{18BDFEC3-8487-43E8-A154-7C12CBC1FFF2}" type="slidenum">
               <a:rPr lang="en-US"/>
-              <a:t>7</a:t>
+              <a:t>6</a:t>
             </a:fld>
             <a:endParaRPr lang="en-US"/>
           </a:p>
@@ -8456,7 +9040,7 @@
           <p:nvPr/>
         </p:nvPicPr>
         <p:blipFill>
-          <a:blip r:embed="rId2"/>
+          <a:blip r:embed="rId3"/>
           <a:stretch>
             <a:fillRect/>
           </a:stretch>
@@ -8563,12 +9147,12 @@
       </p:grpSpPr>
       <p:sp>
         <p:nvSpPr>
-          <p:cNvPr id="3" name="Content Placeholder 2"/>
+          <p:cNvPr id="2" name="Title 1"/>
           <p:cNvSpPr>
             <a:spLocks noGrp="1"/>
           </p:cNvSpPr>
           <p:nvPr>
-            <p:ph idx="1"/>
+            <p:ph type="title"/>
           </p:nvPr>
         </p:nvSpPr>
         <p:spPr/>
@@ -8581,16 +9165,7 @@
             </a:pPr>
             <a:r>
               <a:rPr/>
-              <a:t>A cluster computer that receives and processes multiple requests for data can send the tasks to the components that are least busy. This is like multiple lanes on a road where you find the lane that is most open.</a:t>
-            </a:r>
-          </a:p>
-          <a:p>
-            <a:pPr lvl="0" marL="0" indent="0">
-              <a:buNone/>
-            </a:pPr>
-            <a:r>
-              <a:rPr/>
-              <a:t>Load balancing is very important for websites that get a lot of traffic. A computer cluster devoted to serving web pages is known as a web farm.</a:t>
+              <a:t>Scalability</a:t>
             </a:r>
           </a:p>
         </p:txBody>
